--- a/formal.pptx
+++ b/formal.pptx
@@ -4579,6 +4579,107 @@
               <a:t>Change the file name with ASCII code</a:t>
             </a:r>
             <a:endParaRPr lang="zh-TW" altLang="en-US" dirty="0"/>
+          </a:p>
+        </p:txBody>
+      </p:sp>
+      <p:sp>
+        <p:nvSpPr>
+          <p:cNvPr id="3" name="文字方塊 2">
+            <a:extLst>
+              <a:ext uri="{FF2B5EF4-FFF2-40B4-BE49-F238E27FC236}">
+                <a16:creationId xmlns:a16="http://schemas.microsoft.com/office/drawing/2014/main" id="{1DFC8B14-4243-4330-872B-2598A6D65C6D}"/>
+              </a:ext>
+            </a:extLst>
+          </p:cNvPr>
+          <p:cNvSpPr txBox="1"/>
+          <p:nvPr/>
+        </p:nvSpPr>
+        <p:spPr>
+          <a:xfrm>
+            <a:off x="5184183" y="2518474"/>
+            <a:ext cx="1828800" cy="1828800"/>
+          </a:xfrm>
+          <a:prstGeom prst="rect">
+            <a:avLst/>
+          </a:prstGeom>
+          <a:noFill/>
+        </p:spPr>
+        <p:txBody>
+          <a:bodyPr wrap="square" rtlCol="0">
+            <a:spAutoFit/>
+          </a:bodyPr>
+          <a:lstStyle/>
+          <a:p>
+            <a:r>
+              <a:rPr lang="zh-TW" altLang="en-US" sz="1800" kern="1200" dirty="0">
+                <a:solidFill>
+                  <a:schemeClr val="tx1"/>
+                </a:solidFill>
+                <a:latin typeface="+mn-lt"/>
+                <a:ea typeface="+mn-ea"/>
+                <a:cs typeface="+mn-cs"/>
+              </a:rPr>
+              <a:t>在這裡加入您的文字</a:t>
+            </a:r>
+          </a:p>
+        </p:txBody>
+      </p:sp>
+      <p:sp>
+        <p:nvSpPr>
+          <p:cNvPr id="4" name="文字方塊 3">
+            <a:extLst>
+              <a:ext uri="{FF2B5EF4-FFF2-40B4-BE49-F238E27FC236}">
+                <a16:creationId xmlns:a16="http://schemas.microsoft.com/office/drawing/2014/main" id="{6BE1CAAA-A52C-416D-9564-2E636CDB39DA}"/>
+              </a:ext>
+            </a:extLst>
+          </p:cNvPr>
+          <p:cNvSpPr txBox="1"/>
+          <p:nvPr/>
+        </p:nvSpPr>
+        <p:spPr>
+          <a:xfrm flipH="1">
+            <a:off x="415313" y="2231487"/>
+            <a:ext cx="3991241" cy="461665"/>
+          </a:xfrm>
+          <a:prstGeom prst="rect">
+            <a:avLst/>
+          </a:prstGeom>
+          <a:noFill/>
+        </p:spPr>
+        <p:txBody>
+          <a:bodyPr wrap="square" rtlCol="0">
+            <a:spAutoFit/>
+          </a:bodyPr>
+          <a:lstStyle/>
+          <a:p>
+            <a:r>
+              <a:rPr lang="en-US" altLang="zh-TW" sz="2400" dirty="0"/>
+              <a:t>Platform:</a:t>
+            </a:r>
+            <a:r>
+              <a:rPr lang="zh-TW" altLang="en-US" sz="2400" dirty="0"/>
+              <a:t> </a:t>
+            </a:r>
+            <a:r>
+              <a:rPr lang="en-US" altLang="zh-TW" sz="2400" dirty="0"/>
+              <a:t>Cadence</a:t>
+            </a:r>
+            <a:r>
+              <a:rPr lang="zh-TW" altLang="en-US" sz="2400" dirty="0"/>
+              <a:t> </a:t>
+            </a:r>
+            <a:r>
+              <a:rPr lang="en-US" altLang="zh-TW" sz="2400" dirty="0" err="1"/>
+              <a:t>NCverilog</a:t>
+            </a:r>
+            <a:endParaRPr lang="zh-TW" altLang="en-US" sz="2400" kern="1200" dirty="0">
+              <a:solidFill>
+                <a:schemeClr val="tx1"/>
+              </a:solidFill>
+              <a:latin typeface="+mn-lt"/>
+              <a:ea typeface="+mn-ea"/>
+              <a:cs typeface="+mn-cs"/>
+            </a:endParaRPr>
           </a:p>
         </p:txBody>
       </p:sp>
